--- a/docs/diagrams/LogicComponentClassDiagram.pptx
+++ b/docs/diagrams/LogicComponentClassDiagram.pptx
@@ -208,7 +208,7 @@
           <a:p>
             <a:fld id="{F5CC4B3F-88C1-4FFA-B1B6-F41C21DC6924}" type="datetimeFigureOut">
               <a:rPr lang="en-US" smtClean="0"/>
-              <a:t>3/13/2018</a:t>
+              <a:t>3/26/2018</a:t>
             </a:fld>
             <a:endParaRPr lang="en-US"/>
           </a:p>
@@ -654,7 +654,7 @@
           <a:p>
             <a:fld id="{78C97017-6FC3-485B-9764-EAC9E56C1D49}" type="datetimeFigureOut">
               <a:rPr lang="en-US" smtClean="0"/>
-              <a:t>3/13/2018</a:t>
+              <a:t>3/26/2018</a:t>
             </a:fld>
             <a:endParaRPr lang="en-US"/>
           </a:p>
@@ -822,7 +822,7 @@
           <a:p>
             <a:fld id="{78C97017-6FC3-485B-9764-EAC9E56C1D49}" type="datetimeFigureOut">
               <a:rPr lang="en-US" smtClean="0"/>
-              <a:t>3/13/2018</a:t>
+              <a:t>3/26/2018</a:t>
             </a:fld>
             <a:endParaRPr lang="en-US"/>
           </a:p>
@@ -1000,7 +1000,7 @@
           <a:p>
             <a:fld id="{78C97017-6FC3-485B-9764-EAC9E56C1D49}" type="datetimeFigureOut">
               <a:rPr lang="en-US" smtClean="0"/>
-              <a:t>3/13/2018</a:t>
+              <a:t>3/26/2018</a:t>
             </a:fld>
             <a:endParaRPr lang="en-US"/>
           </a:p>
@@ -1168,7 +1168,7 @@
           <a:p>
             <a:fld id="{78C97017-6FC3-485B-9764-EAC9E56C1D49}" type="datetimeFigureOut">
               <a:rPr lang="en-US" smtClean="0"/>
-              <a:t>3/13/2018</a:t>
+              <a:t>3/26/2018</a:t>
             </a:fld>
             <a:endParaRPr lang="en-US"/>
           </a:p>
@@ -1413,7 +1413,7 @@
           <a:p>
             <a:fld id="{78C97017-6FC3-485B-9764-EAC9E56C1D49}" type="datetimeFigureOut">
               <a:rPr lang="en-US" smtClean="0"/>
-              <a:t>3/13/2018</a:t>
+              <a:t>3/26/2018</a:t>
             </a:fld>
             <a:endParaRPr lang="en-US"/>
           </a:p>
@@ -1698,7 +1698,7 @@
           <a:p>
             <a:fld id="{78C97017-6FC3-485B-9764-EAC9E56C1D49}" type="datetimeFigureOut">
               <a:rPr lang="en-US" smtClean="0"/>
-              <a:t>3/13/2018</a:t>
+              <a:t>3/26/2018</a:t>
             </a:fld>
             <a:endParaRPr lang="en-US"/>
           </a:p>
@@ -2117,7 +2117,7 @@
           <a:p>
             <a:fld id="{78C97017-6FC3-485B-9764-EAC9E56C1D49}" type="datetimeFigureOut">
               <a:rPr lang="en-US" smtClean="0"/>
-              <a:t>3/13/2018</a:t>
+              <a:t>3/26/2018</a:t>
             </a:fld>
             <a:endParaRPr lang="en-US"/>
           </a:p>
@@ -2234,7 +2234,7 @@
           <a:p>
             <a:fld id="{78C97017-6FC3-485B-9764-EAC9E56C1D49}" type="datetimeFigureOut">
               <a:rPr lang="en-US" smtClean="0"/>
-              <a:t>3/13/2018</a:t>
+              <a:t>3/26/2018</a:t>
             </a:fld>
             <a:endParaRPr lang="en-US"/>
           </a:p>
@@ -2329,7 +2329,7 @@
           <a:p>
             <a:fld id="{78C97017-6FC3-485B-9764-EAC9E56C1D49}" type="datetimeFigureOut">
               <a:rPr lang="en-US" smtClean="0"/>
-              <a:t>3/13/2018</a:t>
+              <a:t>3/26/2018</a:t>
             </a:fld>
             <a:endParaRPr lang="en-US"/>
           </a:p>
@@ -2604,7 +2604,7 @@
           <a:p>
             <a:fld id="{78C97017-6FC3-485B-9764-EAC9E56C1D49}" type="datetimeFigureOut">
               <a:rPr lang="en-US" smtClean="0"/>
-              <a:t>3/13/2018</a:t>
+              <a:t>3/26/2018</a:t>
             </a:fld>
             <a:endParaRPr lang="en-US"/>
           </a:p>
@@ -2856,7 +2856,7 @@
           <a:p>
             <a:fld id="{78C97017-6FC3-485B-9764-EAC9E56C1D49}" type="datetimeFigureOut">
               <a:rPr lang="en-US" smtClean="0"/>
-              <a:t>3/13/2018</a:t>
+              <a:t>3/26/2018</a:t>
             </a:fld>
             <a:endParaRPr lang="en-US"/>
           </a:p>
@@ -3067,7 +3067,7 @@
           <a:p>
             <a:fld id="{78C97017-6FC3-485B-9764-EAC9E56C1D49}" type="datetimeFigureOut">
               <a:rPr lang="en-US" smtClean="0"/>
-              <a:t>3/13/2018</a:t>
+              <a:t>3/26/2018</a:t>
             </a:fld>
             <a:endParaRPr lang="en-US"/>
           </a:p>
@@ -6219,8 +6219,8 @@
         </p:nvSpPr>
         <p:spPr>
           <a:xfrm>
-            <a:off x="2334221" y="3058789"/>
-            <a:ext cx="758695" cy="346760"/>
+            <a:off x="2314687" y="3058789"/>
+            <a:ext cx="778229" cy="346760"/>
           </a:xfrm>
           <a:prstGeom prst="rect">
             <a:avLst/>
@@ -6260,23 +6260,7 @@
                   <a:schemeClr val="bg1"/>
                 </a:solidFill>
               </a:rPr>
-              <a:t>UndoRedo</a:t>
-            </a:r>
-            <a:endParaRPr lang="en-US" sz="1050" dirty="0">
-              <a:solidFill>
-                <a:schemeClr val="bg1"/>
-              </a:solidFill>
-            </a:endParaRPr>
-          </a:p>
-          <a:p>
-            <a:pPr algn="ctr"/>
-            <a:r>
-              <a:rPr lang="en-US" sz="1050" dirty="0">
-                <a:solidFill>
-                  <a:schemeClr val="bg1"/>
-                </a:solidFill>
-              </a:rPr>
-              <a:t>Stack</a:t>
+              <a:t>UndoStack</a:t>
             </a:r>
             <a:endParaRPr lang="en-SG" sz="1050" dirty="0">
               <a:solidFill>
@@ -6290,14 +6274,15 @@
         <p:nvCxnSpPr>
           <p:cNvPr id="61" name="Straight Arrow Connector 57"/>
           <p:cNvCxnSpPr>
+            <a:cxnSpLocks/>
             <a:endCxn id="59" idx="2"/>
           </p:cNvCxnSpPr>
           <p:nvPr/>
         </p:nvCxnSpPr>
         <p:spPr>
-          <a:xfrm flipV="1">
-            <a:off x="2713568" y="3405549"/>
-            <a:ext cx="1" cy="177981"/>
+          <a:xfrm flipH="1" flipV="1">
+            <a:off x="2703802" y="3405549"/>
+            <a:ext cx="9766" cy="177982"/>
           </a:xfrm>
           <a:prstGeom prst="straightConnector1">
             <a:avLst/>

--- a/docs/diagrams/LogicComponentClassDiagram.pptx
+++ b/docs/diagrams/LogicComponentClassDiagram.pptx
@@ -208,7 +208,7 @@
           <a:p>
             <a:fld id="{F5CC4B3F-88C1-4FFA-B1B6-F41C21DC6924}" type="datetimeFigureOut">
               <a:rPr lang="en-US" smtClean="0"/>
-              <a:t>3/26/2018</a:t>
+              <a:t>3/29/2018</a:t>
             </a:fld>
             <a:endParaRPr lang="en-US"/>
           </a:p>
@@ -654,7 +654,7 @@
           <a:p>
             <a:fld id="{78C97017-6FC3-485B-9764-EAC9E56C1D49}" type="datetimeFigureOut">
               <a:rPr lang="en-US" smtClean="0"/>
-              <a:t>3/26/2018</a:t>
+              <a:t>3/29/2018</a:t>
             </a:fld>
             <a:endParaRPr lang="en-US"/>
           </a:p>
@@ -822,7 +822,7 @@
           <a:p>
             <a:fld id="{78C97017-6FC3-485B-9764-EAC9E56C1D49}" type="datetimeFigureOut">
               <a:rPr lang="en-US" smtClean="0"/>
-              <a:t>3/26/2018</a:t>
+              <a:t>3/29/2018</a:t>
             </a:fld>
             <a:endParaRPr lang="en-US"/>
           </a:p>
@@ -1000,7 +1000,7 @@
           <a:p>
             <a:fld id="{78C97017-6FC3-485B-9764-EAC9E56C1D49}" type="datetimeFigureOut">
               <a:rPr lang="en-US" smtClean="0"/>
-              <a:t>3/26/2018</a:t>
+              <a:t>3/29/2018</a:t>
             </a:fld>
             <a:endParaRPr lang="en-US"/>
           </a:p>
@@ -1168,7 +1168,7 @@
           <a:p>
             <a:fld id="{78C97017-6FC3-485B-9764-EAC9E56C1D49}" type="datetimeFigureOut">
               <a:rPr lang="en-US" smtClean="0"/>
-              <a:t>3/26/2018</a:t>
+              <a:t>3/29/2018</a:t>
             </a:fld>
             <a:endParaRPr lang="en-US"/>
           </a:p>
@@ -1413,7 +1413,7 @@
           <a:p>
             <a:fld id="{78C97017-6FC3-485B-9764-EAC9E56C1D49}" type="datetimeFigureOut">
               <a:rPr lang="en-US" smtClean="0"/>
-              <a:t>3/26/2018</a:t>
+              <a:t>3/29/2018</a:t>
             </a:fld>
             <a:endParaRPr lang="en-US"/>
           </a:p>
@@ -1698,7 +1698,7 @@
           <a:p>
             <a:fld id="{78C97017-6FC3-485B-9764-EAC9E56C1D49}" type="datetimeFigureOut">
               <a:rPr lang="en-US" smtClean="0"/>
-              <a:t>3/26/2018</a:t>
+              <a:t>3/29/2018</a:t>
             </a:fld>
             <a:endParaRPr lang="en-US"/>
           </a:p>
@@ -2117,7 +2117,7 @@
           <a:p>
             <a:fld id="{78C97017-6FC3-485B-9764-EAC9E56C1D49}" type="datetimeFigureOut">
               <a:rPr lang="en-US" smtClean="0"/>
-              <a:t>3/26/2018</a:t>
+              <a:t>3/29/2018</a:t>
             </a:fld>
             <a:endParaRPr lang="en-US"/>
           </a:p>
@@ -2234,7 +2234,7 @@
           <a:p>
             <a:fld id="{78C97017-6FC3-485B-9764-EAC9E56C1D49}" type="datetimeFigureOut">
               <a:rPr lang="en-US" smtClean="0"/>
-              <a:t>3/26/2018</a:t>
+              <a:t>3/29/2018</a:t>
             </a:fld>
             <a:endParaRPr lang="en-US"/>
           </a:p>
@@ -2329,7 +2329,7 @@
           <a:p>
             <a:fld id="{78C97017-6FC3-485B-9764-EAC9E56C1D49}" type="datetimeFigureOut">
               <a:rPr lang="en-US" smtClean="0"/>
-              <a:t>3/26/2018</a:t>
+              <a:t>3/29/2018</a:t>
             </a:fld>
             <a:endParaRPr lang="en-US"/>
           </a:p>
@@ -2604,7 +2604,7 @@
           <a:p>
             <a:fld id="{78C97017-6FC3-485B-9764-EAC9E56C1D49}" type="datetimeFigureOut">
               <a:rPr lang="en-US" smtClean="0"/>
-              <a:t>3/26/2018</a:t>
+              <a:t>3/29/2018</a:t>
             </a:fld>
             <a:endParaRPr lang="en-US"/>
           </a:p>
@@ -2856,7 +2856,7 @@
           <a:p>
             <a:fld id="{78C97017-6FC3-485B-9764-EAC9E56C1D49}" type="datetimeFigureOut">
               <a:rPr lang="en-US" smtClean="0"/>
-              <a:t>3/26/2018</a:t>
+              <a:t>3/29/2018</a:t>
             </a:fld>
             <a:endParaRPr lang="en-US"/>
           </a:p>
@@ -3067,7 +3067,7 @@
           <a:p>
             <a:fld id="{78C97017-6FC3-485B-9764-EAC9E56C1D49}" type="datetimeFigureOut">
               <a:rPr lang="en-US" smtClean="0"/>
-              <a:t>3/26/2018</a:t>
+              <a:t>3/29/2018</a:t>
             </a:fld>
             <a:endParaRPr lang="en-US"/>
           </a:p>
@@ -3450,8 +3450,8 @@
         </p:nvSpPr>
         <p:spPr>
           <a:xfrm>
-            <a:off x="1066800" y="914400"/>
-            <a:ext cx="7084740" cy="3733800"/>
+            <a:off x="1066800" y="914399"/>
+            <a:ext cx="7084740" cy="3762375"/>
           </a:xfrm>
           <a:prstGeom prst="roundRect">
             <a:avLst>
@@ -3772,8 +3772,8 @@
         </p:nvSpPr>
         <p:spPr>
           <a:xfrm>
-            <a:off x="1103085" y="4777355"/>
-            <a:ext cx="7050315" cy="328045"/>
+            <a:off x="1143000" y="4777355"/>
+            <a:ext cx="3371850" cy="328045"/>
           </a:xfrm>
           <a:prstGeom prst="roundRect">
             <a:avLst/>
@@ -3969,14 +3969,12 @@
       <p:cxnSp>
         <p:nvCxnSpPr>
           <p:cNvPr id="18" name="Straight Arrow Connector 110"/>
-          <p:cNvCxnSpPr>
-            <a:stCxn id="12" idx="2"/>
-          </p:cNvCxnSpPr>
+          <p:cNvCxnSpPr/>
           <p:nvPr/>
         </p:nvCxnSpPr>
         <p:spPr>
           <a:xfrm>
-            <a:off x="7362894" y="4495800"/>
+            <a:off x="7543800" y="4495800"/>
             <a:ext cx="0" cy="281555"/>
           </a:xfrm>
           <a:prstGeom prst="straightConnector1">
@@ -6350,6 +6348,147 @@
           </a:p>
         </p:txBody>
       </p:sp>
+      <p:sp>
+        <p:nvSpPr>
+          <p:cNvPr id="64" name="Rectangle 65"/>
+          <p:cNvSpPr/>
+          <p:nvPr/>
+        </p:nvSpPr>
+        <p:spPr>
+          <a:xfrm>
+            <a:off x="4648200" y="4786036"/>
+            <a:ext cx="3381375" cy="328045"/>
+          </a:xfrm>
+          <a:prstGeom prst="roundRect">
+            <a:avLst/>
+          </a:prstGeom>
+          <a:solidFill>
+            <a:schemeClr val="accent2">
+              <a:lumMod val="20000"/>
+              <a:lumOff val="80000"/>
+            </a:schemeClr>
+          </a:solidFill>
+          <a:ln w="19050">
+            <a:noFill/>
+          </a:ln>
+          <a:effectLst/>
+        </p:spPr>
+        <p:style>
+          <a:lnRef idx="1">
+            <a:schemeClr val="accent2"/>
+          </a:lnRef>
+          <a:fillRef idx="2">
+            <a:schemeClr val="accent2"/>
+          </a:fillRef>
+          <a:effectRef idx="1">
+            <a:schemeClr val="accent2"/>
+          </a:effectRef>
+          <a:fontRef idx="minor">
+            <a:schemeClr val="dk1"/>
+          </a:fontRef>
+        </p:style>
+        <p:txBody>
+          <a:bodyPr rtlCol="0" anchor="ctr"/>
+          <a:lstStyle/>
+          <a:p>
+            <a:pPr algn="ctr"/>
+            <a:r>
+              <a:rPr lang="en-US" sz="1100" b="1" smtClean="0">
+                <a:solidFill>
+                  <a:schemeClr val="bg1"/>
+                </a:solidFill>
+              </a:rPr>
+              <a:t>Network</a:t>
+            </a:r>
+            <a:endParaRPr lang="en-SG" sz="1100" b="1" dirty="0">
+              <a:solidFill>
+                <a:schemeClr val="bg1"/>
+              </a:solidFill>
+            </a:endParaRPr>
+          </a:p>
+        </p:txBody>
+      </p:sp>
+      <p:cxnSp>
+        <p:nvCxnSpPr>
+          <p:cNvPr id="65" name="Straight Arrow Connector 57"/>
+          <p:cNvCxnSpPr/>
+          <p:nvPr/>
+        </p:nvCxnSpPr>
+        <p:spPr>
+          <a:xfrm rot="16200000" flipH="1">
+            <a:off x="3338516" y="3095352"/>
+            <a:ext cx="855746" cy="2525622"/>
+          </a:xfrm>
+          <a:prstGeom prst="bentConnector3">
+            <a:avLst>
+              <a:gd name="adj1" fmla="val 72261"/>
+            </a:avLst>
+          </a:prstGeom>
+          <a:ln w="19050">
+            <a:solidFill>
+              <a:srgbClr val="0070C0"/>
+            </a:solidFill>
+            <a:headEnd type="none" w="med" len="med"/>
+            <a:tailEnd type="arrow" w="med" len="med"/>
+          </a:ln>
+          <a:effectLst/>
+        </p:spPr>
+        <p:style>
+          <a:lnRef idx="1">
+            <a:schemeClr val="accent2"/>
+          </a:lnRef>
+          <a:fillRef idx="2">
+            <a:schemeClr val="accent2"/>
+          </a:fillRef>
+          <a:effectRef idx="1">
+            <a:schemeClr val="accent2"/>
+          </a:effectRef>
+          <a:fontRef idx="minor">
+            <a:schemeClr val="dk1"/>
+          </a:fontRef>
+        </p:style>
+      </p:cxnSp>
+      <p:cxnSp>
+        <p:nvCxnSpPr>
+          <p:cNvPr id="74" name="Straight Arrow Connector 110"/>
+          <p:cNvCxnSpPr/>
+          <p:nvPr/>
+        </p:nvCxnSpPr>
+        <p:spPr>
+          <a:xfrm rot="5400000">
+            <a:off x="5574257" y="3036343"/>
+            <a:ext cx="281555" cy="3200469"/>
+          </a:xfrm>
+          <a:prstGeom prst="bentConnector3">
+            <a:avLst>
+              <a:gd name="adj1" fmla="val 43234"/>
+            </a:avLst>
+          </a:prstGeom>
+          <a:ln w="19050">
+            <a:solidFill>
+              <a:srgbClr val="0070C0"/>
+            </a:solidFill>
+            <a:prstDash val="sysDot"/>
+            <a:headEnd type="none" w="med" len="med"/>
+            <a:tailEnd type="arrow" w="med" len="med"/>
+          </a:ln>
+          <a:effectLst/>
+        </p:spPr>
+        <p:style>
+          <a:lnRef idx="1">
+            <a:schemeClr val="accent2"/>
+          </a:lnRef>
+          <a:fillRef idx="2">
+            <a:schemeClr val="accent2"/>
+          </a:fillRef>
+          <a:effectRef idx="1">
+            <a:schemeClr val="accent2"/>
+          </a:effectRef>
+          <a:fontRef idx="minor">
+            <a:schemeClr val="dk1"/>
+          </a:fontRef>
+        </p:style>
+      </p:cxnSp>
     </p:spTree>
     <p:extLst>
       <p:ext uri="{BB962C8B-B14F-4D97-AF65-F5344CB8AC3E}">

--- a/docs/diagrams/LogicComponentClassDiagram.pptx
+++ b/docs/diagrams/LogicComponentClassDiagram.pptx
@@ -208,7 +208,7 @@
           <a:p>
             <a:fld id="{F5CC4B3F-88C1-4FFA-B1B6-F41C21DC6924}" type="datetimeFigureOut">
               <a:rPr lang="en-US" smtClean="0"/>
-              <a:t>3/29/2018</a:t>
+              <a:t>4/15/2018</a:t>
             </a:fld>
             <a:endParaRPr lang="en-US"/>
           </a:p>
@@ -654,7 +654,7 @@
           <a:p>
             <a:fld id="{78C97017-6FC3-485B-9764-EAC9E56C1D49}" type="datetimeFigureOut">
               <a:rPr lang="en-US" smtClean="0"/>
-              <a:t>3/29/2018</a:t>
+              <a:t>4/15/2018</a:t>
             </a:fld>
             <a:endParaRPr lang="en-US"/>
           </a:p>
@@ -822,7 +822,7 @@
           <a:p>
             <a:fld id="{78C97017-6FC3-485B-9764-EAC9E56C1D49}" type="datetimeFigureOut">
               <a:rPr lang="en-US" smtClean="0"/>
-              <a:t>3/29/2018</a:t>
+              <a:t>4/15/2018</a:t>
             </a:fld>
             <a:endParaRPr lang="en-US"/>
           </a:p>
@@ -1000,7 +1000,7 @@
           <a:p>
             <a:fld id="{78C97017-6FC3-485B-9764-EAC9E56C1D49}" type="datetimeFigureOut">
               <a:rPr lang="en-US" smtClean="0"/>
-              <a:t>3/29/2018</a:t>
+              <a:t>4/15/2018</a:t>
             </a:fld>
             <a:endParaRPr lang="en-US"/>
           </a:p>
@@ -1168,7 +1168,7 @@
           <a:p>
             <a:fld id="{78C97017-6FC3-485B-9764-EAC9E56C1D49}" type="datetimeFigureOut">
               <a:rPr lang="en-US" smtClean="0"/>
-              <a:t>3/29/2018</a:t>
+              <a:t>4/15/2018</a:t>
             </a:fld>
             <a:endParaRPr lang="en-US"/>
           </a:p>
@@ -1413,7 +1413,7 @@
           <a:p>
             <a:fld id="{78C97017-6FC3-485B-9764-EAC9E56C1D49}" type="datetimeFigureOut">
               <a:rPr lang="en-US" smtClean="0"/>
-              <a:t>3/29/2018</a:t>
+              <a:t>4/15/2018</a:t>
             </a:fld>
             <a:endParaRPr lang="en-US"/>
           </a:p>
@@ -1698,7 +1698,7 @@
           <a:p>
             <a:fld id="{78C97017-6FC3-485B-9764-EAC9E56C1D49}" type="datetimeFigureOut">
               <a:rPr lang="en-US" smtClean="0"/>
-              <a:t>3/29/2018</a:t>
+              <a:t>4/15/2018</a:t>
             </a:fld>
             <a:endParaRPr lang="en-US"/>
           </a:p>
@@ -2117,7 +2117,7 @@
           <a:p>
             <a:fld id="{78C97017-6FC3-485B-9764-EAC9E56C1D49}" type="datetimeFigureOut">
               <a:rPr lang="en-US" smtClean="0"/>
-              <a:t>3/29/2018</a:t>
+              <a:t>4/15/2018</a:t>
             </a:fld>
             <a:endParaRPr lang="en-US"/>
           </a:p>
@@ -2234,7 +2234,7 @@
           <a:p>
             <a:fld id="{78C97017-6FC3-485B-9764-EAC9E56C1D49}" type="datetimeFigureOut">
               <a:rPr lang="en-US" smtClean="0"/>
-              <a:t>3/29/2018</a:t>
+              <a:t>4/15/2018</a:t>
             </a:fld>
             <a:endParaRPr lang="en-US"/>
           </a:p>
@@ -2329,7 +2329,7 @@
           <a:p>
             <a:fld id="{78C97017-6FC3-485B-9764-EAC9E56C1D49}" type="datetimeFigureOut">
               <a:rPr lang="en-US" smtClean="0"/>
-              <a:t>3/29/2018</a:t>
+              <a:t>4/15/2018</a:t>
             </a:fld>
             <a:endParaRPr lang="en-US"/>
           </a:p>
@@ -2604,7 +2604,7 @@
           <a:p>
             <a:fld id="{78C97017-6FC3-485B-9764-EAC9E56C1D49}" type="datetimeFigureOut">
               <a:rPr lang="en-US" smtClean="0"/>
-              <a:t>3/29/2018</a:t>
+              <a:t>4/15/2018</a:t>
             </a:fld>
             <a:endParaRPr lang="en-US"/>
           </a:p>
@@ -2856,7 +2856,7 @@
           <a:p>
             <a:fld id="{78C97017-6FC3-485B-9764-EAC9E56C1D49}" type="datetimeFigureOut">
               <a:rPr lang="en-US" smtClean="0"/>
-              <a:t>3/29/2018</a:t>
+              <a:t>4/15/2018</a:t>
             </a:fld>
             <a:endParaRPr lang="en-US"/>
           </a:p>
@@ -3067,7 +3067,7 @@
           <a:p>
             <a:fld id="{78C97017-6FC3-485B-9764-EAC9E56C1D49}" type="datetimeFigureOut">
               <a:rPr lang="en-US" smtClean="0"/>
-              <a:t>3/29/2018</a:t>
+              <a:t>4/15/2018</a:t>
             </a:fld>
             <a:endParaRPr lang="en-US"/>
           </a:p>
@@ -3451,7 +3451,7 @@
         <p:spPr>
           <a:xfrm>
             <a:off x="1066800" y="914399"/>
-            <a:ext cx="7084740" cy="3762375"/>
+            <a:ext cx="7084740" cy="4035741"/>
           </a:xfrm>
           <a:prstGeom prst="roundRect">
             <a:avLst>
@@ -3689,7 +3689,7 @@
         <p:spPr>
           <a:xfrm flipH="1" flipV="1">
             <a:off x="3189583" y="1426447"/>
-            <a:ext cx="4559332" cy="2895973"/>
+            <a:ext cx="4559332" cy="3090333"/>
           </a:xfrm>
           <a:prstGeom prst="bentConnector3">
             <a:avLst>
@@ -3772,7 +3772,7 @@
         </p:nvSpPr>
         <p:spPr>
           <a:xfrm>
-            <a:off x="1143000" y="4777355"/>
+            <a:off x="1143000" y="5082155"/>
             <a:ext cx="3371850" cy="328045"/>
           </a:xfrm>
           <a:prstGeom prst="roundRect">
@@ -3832,7 +3832,7 @@
         </p:nvSpPr>
         <p:spPr>
           <a:xfrm>
-            <a:off x="6976872" y="4149040"/>
+            <a:off x="6976872" y="4343400"/>
             <a:ext cx="772043" cy="346760"/>
           </a:xfrm>
           <a:prstGeom prst="rect">
@@ -3969,13 +3969,15 @@
       <p:cxnSp>
         <p:nvCxnSpPr>
           <p:cNvPr id="18" name="Straight Arrow Connector 110"/>
-          <p:cNvCxnSpPr/>
+          <p:cNvCxnSpPr>
+            <a:cxnSpLocks/>
+          </p:cNvCxnSpPr>
           <p:nvPr/>
         </p:nvCxnSpPr>
         <p:spPr>
           <a:xfrm>
-            <a:off x="7543800" y="4495800"/>
-            <a:ext cx="0" cy="281555"/>
+            <a:off x="7543800" y="4690160"/>
+            <a:ext cx="0" cy="405513"/>
           </a:xfrm>
           <a:prstGeom prst="straightConnector1">
             <a:avLst/>
@@ -4175,6 +4177,7 @@
         <p:nvCxnSpPr>
           <p:cNvPr id="23" name="Straight Arrow Connector 57"/>
           <p:cNvCxnSpPr>
+            <a:cxnSpLocks/>
             <a:stCxn id="5" idx="2"/>
           </p:cNvCxnSpPr>
           <p:nvPr/>
@@ -4182,7 +4185,7 @@
         <p:spPr>
           <a:xfrm>
             <a:off x="2329313" y="3930290"/>
-            <a:ext cx="1376" cy="854841"/>
+            <a:ext cx="0" cy="1151865"/>
           </a:xfrm>
           <a:prstGeom prst="straightConnector1">
             <a:avLst/>
@@ -4258,18 +4261,19 @@
         <p:nvCxnSpPr>
           <p:cNvPr id="25" name="Elbow Connector 63"/>
           <p:cNvCxnSpPr>
+            <a:cxnSpLocks/>
             <a:endCxn id="12" idx="1"/>
           </p:cNvCxnSpPr>
           <p:nvPr/>
         </p:nvCxnSpPr>
         <p:spPr>
           <a:xfrm>
-            <a:off x="2281833" y="3939492"/>
-            <a:ext cx="4695039" cy="382928"/>
+            <a:off x="2425983" y="3963467"/>
+            <a:ext cx="4550889" cy="553313"/>
           </a:xfrm>
           <a:prstGeom prst="bentConnector3">
             <a:avLst>
-              <a:gd name="adj1" fmla="val -81"/>
+              <a:gd name="adj1" fmla="val 103"/>
             </a:avLst>
           </a:prstGeom>
           <a:ln w="19050">
@@ -5056,7 +5060,7 @@
         </p:nvSpPr>
         <p:spPr>
           <a:xfrm flipV="1">
-            <a:off x="7227643" y="3980475"/>
+            <a:off x="7227643" y="4167877"/>
             <a:ext cx="270504" cy="175523"/>
           </a:xfrm>
           <a:prstGeom prst="triangle">
@@ -5113,8 +5117,8 @@
         </p:nvCxnSpPr>
         <p:spPr>
           <a:xfrm rot="5400000" flipH="1" flipV="1">
-            <a:off x="6916385" y="3533423"/>
-            <a:ext cx="893563" cy="542"/>
+            <a:off x="6822684" y="3627124"/>
+            <a:ext cx="1080965" cy="542"/>
           </a:xfrm>
           <a:prstGeom prst="bentConnector3">
             <a:avLst>
@@ -5367,7 +5371,7 @@
         </p:nvSpPr>
         <p:spPr>
           <a:xfrm>
-            <a:off x="1295065" y="4183424"/>
+            <a:off x="1168036" y="4014939"/>
             <a:ext cx="805984" cy="346760"/>
           </a:xfrm>
           <a:prstGeom prst="rect">
@@ -5429,44 +5433,6 @@
           </a:p>
         </p:txBody>
       </p:sp>
-      <p:cxnSp>
-        <p:nvCxnSpPr>
-          <p:cNvPr id="88" name="Straight Arrow Connector 57"/>
-          <p:cNvCxnSpPr/>
-          <p:nvPr/>
-        </p:nvCxnSpPr>
-        <p:spPr>
-          <a:xfrm>
-            <a:off x="1971157" y="3939492"/>
-            <a:ext cx="2022" cy="240622"/>
-          </a:xfrm>
-          <a:prstGeom prst="straightConnector1">
-            <a:avLst/>
-          </a:prstGeom>
-          <a:ln w="19050">
-            <a:solidFill>
-              <a:srgbClr val="0070C0"/>
-            </a:solidFill>
-            <a:headEnd type="none" w="med" len="med"/>
-            <a:tailEnd type="arrow" w="med" len="med"/>
-          </a:ln>
-          <a:effectLst/>
-        </p:spPr>
-        <p:style>
-          <a:lnRef idx="1">
-            <a:schemeClr val="accent2"/>
-          </a:lnRef>
-          <a:fillRef idx="2">
-            <a:schemeClr val="accent2"/>
-          </a:fillRef>
-          <a:effectRef idx="1">
-            <a:schemeClr val="accent2"/>
-          </a:effectRef>
-          <a:fontRef idx="minor">
-            <a:schemeClr val="dk1"/>
-          </a:fontRef>
-        </p:style>
-      </p:cxnSp>
       <p:sp>
         <p:nvSpPr>
           <p:cNvPr id="91" name="TextBox 90"/>
@@ -5475,7 +5441,7 @@
         </p:nvSpPr>
         <p:spPr>
           <a:xfrm>
-            <a:off x="1773980" y="4000395"/>
+            <a:off x="1385807" y="3832860"/>
             <a:ext cx="131116" cy="230832"/>
           </a:xfrm>
           <a:prstGeom prst="rect">
@@ -6356,7 +6322,7 @@
         </p:nvSpPr>
         <p:spPr>
           <a:xfrm>
-            <a:off x="4648200" y="4786036"/>
+            <a:off x="4648200" y="5082155"/>
             <a:ext cx="3381375" cy="328045"/>
           </a:xfrm>
           <a:prstGeom prst="roundRect">
@@ -6393,7 +6359,7 @@
           <a:p>
             <a:pPr algn="ctr"/>
             <a:r>
-              <a:rPr lang="en-US" sz="1100" b="1" smtClean="0">
+              <a:rPr lang="en-US" sz="1100" b="1">
                 <a:solidFill>
                   <a:schemeClr val="bg1"/>
                 </a:solidFill>
@@ -6411,17 +6377,21 @@
       <p:cxnSp>
         <p:nvCxnSpPr>
           <p:cNvPr id="65" name="Straight Arrow Connector 57"/>
-          <p:cNvCxnSpPr/>
+          <p:cNvCxnSpPr>
+            <a:cxnSpLocks/>
+            <a:stCxn id="5" idx="2"/>
+            <a:endCxn id="64" idx="0"/>
+          </p:cNvCxnSpPr>
           <p:nvPr/>
         </p:nvCxnSpPr>
         <p:spPr>
           <a:xfrm rot="16200000" flipH="1">
-            <a:off x="3338516" y="3095352"/>
-            <a:ext cx="855746" cy="2525622"/>
+            <a:off x="3758168" y="2501434"/>
+            <a:ext cx="1151865" cy="4009575"/>
           </a:xfrm>
           <a:prstGeom prst="bentConnector3">
             <a:avLst>
-              <a:gd name="adj1" fmla="val 72261"/>
+              <a:gd name="adj1" fmla="val 71169"/>
             </a:avLst>
           </a:prstGeom>
           <a:ln w="19050">
@@ -6451,17 +6421,21 @@
       <p:cxnSp>
         <p:nvCxnSpPr>
           <p:cNvPr id="74" name="Straight Arrow Connector 110"/>
-          <p:cNvCxnSpPr/>
+          <p:cNvCxnSpPr>
+            <a:cxnSpLocks/>
+            <a:stCxn id="12" idx="2"/>
+            <a:endCxn id="9" idx="0"/>
+          </p:cNvCxnSpPr>
           <p:nvPr/>
         </p:nvCxnSpPr>
         <p:spPr>
           <a:xfrm rot="5400000">
-            <a:off x="5574257" y="3036343"/>
-            <a:ext cx="281555" cy="3200469"/>
+            <a:off x="4899913" y="2619173"/>
+            <a:ext cx="391995" cy="4533969"/>
           </a:xfrm>
           <a:prstGeom prst="bentConnector3">
             <a:avLst>
-              <a:gd name="adj1" fmla="val 43234"/>
+              <a:gd name="adj1" fmla="val 50000"/>
             </a:avLst>
           </a:prstGeom>
           <a:ln w="19050">
@@ -6489,6 +6463,578 @@
           </a:fontRef>
         </p:style>
       </p:cxnSp>
+      <p:sp>
+        <p:nvSpPr>
+          <p:cNvPr id="82" name="Rectangle 62">
+            <a:extLst>
+              <a:ext uri="{FF2B5EF4-FFF2-40B4-BE49-F238E27FC236}">
+                <a16:creationId xmlns:a16="http://schemas.microsoft.com/office/drawing/2014/main" id="{C91B63C2-026C-4F32-AA6F-B9A503C4E707}"/>
+              </a:ext>
+            </a:extLst>
+          </p:cNvPr>
+          <p:cNvSpPr/>
+          <p:nvPr/>
+        </p:nvSpPr>
+        <p:spPr>
+          <a:xfrm>
+            <a:off x="3255419" y="4019275"/>
+            <a:ext cx="1046940" cy="346760"/>
+          </a:xfrm>
+          <a:prstGeom prst="rect">
+            <a:avLst/>
+          </a:prstGeom>
+          <a:solidFill>
+            <a:srgbClr val="0070C0"/>
+          </a:solidFill>
+          <a:ln w="19050">
+            <a:solidFill>
+              <a:srgbClr val="0070C0"/>
+            </a:solidFill>
+          </a:ln>
+          <a:effectLst/>
+        </p:spPr>
+        <p:style>
+          <a:lnRef idx="1">
+            <a:schemeClr val="accent2"/>
+          </a:lnRef>
+          <a:fillRef idx="2">
+            <a:schemeClr val="accent2"/>
+          </a:fillRef>
+          <a:effectRef idx="1">
+            <a:schemeClr val="accent2"/>
+          </a:effectRef>
+          <a:fontRef idx="minor">
+            <a:schemeClr val="dk1"/>
+          </a:fontRef>
+        </p:style>
+        <p:txBody>
+          <a:bodyPr rtlCol="0" anchor="ctr"/>
+          <a:lstStyle/>
+          <a:p>
+            <a:pPr algn="ctr"/>
+            <a:r>
+              <a:rPr lang="en-US" sz="1050" dirty="0">
+                <a:solidFill>
+                  <a:schemeClr val="bg1"/>
+                </a:solidFill>
+              </a:rPr>
+              <a:t>&lt;&lt;singleton&gt;&gt;</a:t>
+            </a:r>
+          </a:p>
+          <a:p>
+            <a:pPr algn="ctr"/>
+            <a:r>
+              <a:rPr lang="en-US" sz="1050" dirty="0" err="1">
+                <a:solidFill>
+                  <a:schemeClr val="bg1"/>
+                </a:solidFill>
+              </a:rPr>
+              <a:t>LockManager</a:t>
+            </a:r>
+            <a:endParaRPr lang="en-SG" sz="1050" dirty="0">
+              <a:solidFill>
+                <a:schemeClr val="bg1"/>
+              </a:solidFill>
+            </a:endParaRPr>
+          </a:p>
+        </p:txBody>
+      </p:sp>
+      <p:sp>
+        <p:nvSpPr>
+          <p:cNvPr id="84" name="Rectangle 62">
+            <a:extLst>
+              <a:ext uri="{FF2B5EF4-FFF2-40B4-BE49-F238E27FC236}">
+                <a16:creationId xmlns:a16="http://schemas.microsoft.com/office/drawing/2014/main" id="{FDA09D85-6035-4250-9729-945B343A910A}"/>
+              </a:ext>
+            </a:extLst>
+          </p:cNvPr>
+          <p:cNvSpPr/>
+          <p:nvPr/>
+        </p:nvSpPr>
+        <p:spPr>
+          <a:xfrm>
+            <a:off x="1156183" y="4493714"/>
+            <a:ext cx="1040434" cy="346760"/>
+          </a:xfrm>
+          <a:prstGeom prst="rect">
+            <a:avLst/>
+          </a:prstGeom>
+          <a:solidFill>
+            <a:srgbClr val="0070C0"/>
+          </a:solidFill>
+          <a:ln w="19050">
+            <a:solidFill>
+              <a:srgbClr val="0070C0"/>
+            </a:solidFill>
+          </a:ln>
+          <a:effectLst/>
+        </p:spPr>
+        <p:style>
+          <a:lnRef idx="1">
+            <a:schemeClr val="accent2"/>
+          </a:lnRef>
+          <a:fillRef idx="2">
+            <a:schemeClr val="accent2"/>
+          </a:fillRef>
+          <a:effectRef idx="1">
+            <a:schemeClr val="accent2"/>
+          </a:effectRef>
+          <a:fontRef idx="minor">
+            <a:schemeClr val="dk1"/>
+          </a:fontRef>
+        </p:style>
+        <p:txBody>
+          <a:bodyPr rtlCol="0" anchor="ctr"/>
+          <a:lstStyle/>
+          <a:p>
+            <a:pPr algn="ctr"/>
+            <a:r>
+              <a:rPr lang="en-US" sz="1050" dirty="0" err="1">
+                <a:solidFill>
+                  <a:schemeClr val="bg1"/>
+                </a:solidFill>
+              </a:rPr>
+              <a:t>CommandAutocorrection</a:t>
+            </a:r>
+            <a:endParaRPr lang="en-SG" sz="1050" dirty="0">
+              <a:solidFill>
+                <a:schemeClr val="bg1"/>
+              </a:solidFill>
+            </a:endParaRPr>
+          </a:p>
+        </p:txBody>
+      </p:sp>
+      <p:cxnSp>
+        <p:nvCxnSpPr>
+          <p:cNvPr id="90" name="Straight Arrow Connector 57">
+            <a:extLst>
+              <a:ext uri="{FF2B5EF4-FFF2-40B4-BE49-F238E27FC236}">
+                <a16:creationId xmlns:a16="http://schemas.microsoft.com/office/drawing/2014/main" id="{98E20D30-25A9-4BB8-B755-448A962D046C}"/>
+              </a:ext>
+            </a:extLst>
+          </p:cNvPr>
+          <p:cNvCxnSpPr>
+            <a:cxnSpLocks/>
+            <a:endCxn id="86" idx="0"/>
+          </p:cNvCxnSpPr>
+          <p:nvPr/>
+        </p:nvCxnSpPr>
+        <p:spPr>
+          <a:xfrm rot="10800000" flipV="1">
+            <a:off x="1571029" y="3862551"/>
+            <a:ext cx="288027" cy="152388"/>
+          </a:xfrm>
+          <a:prstGeom prst="bentConnector2">
+            <a:avLst/>
+          </a:prstGeom>
+          <a:ln w="19050">
+            <a:solidFill>
+              <a:srgbClr val="0070C0"/>
+            </a:solidFill>
+            <a:headEnd type="none" w="med" len="med"/>
+            <a:tailEnd type="arrow" w="med" len="med"/>
+          </a:ln>
+          <a:effectLst/>
+        </p:spPr>
+        <p:style>
+          <a:lnRef idx="1">
+            <a:schemeClr val="accent2"/>
+          </a:lnRef>
+          <a:fillRef idx="2">
+            <a:schemeClr val="accent2"/>
+          </a:fillRef>
+          <a:effectRef idx="1">
+            <a:schemeClr val="accent2"/>
+          </a:effectRef>
+          <a:fontRef idx="minor">
+            <a:schemeClr val="dk1"/>
+          </a:fontRef>
+        </p:style>
+      </p:cxnSp>
+      <p:cxnSp>
+        <p:nvCxnSpPr>
+          <p:cNvPr id="98" name="Elbow Connector 122">
+            <a:extLst>
+              <a:ext uri="{FF2B5EF4-FFF2-40B4-BE49-F238E27FC236}">
+                <a16:creationId xmlns:a16="http://schemas.microsoft.com/office/drawing/2014/main" id="{C4841401-D4A5-4E34-9B9E-795D043761F8}"/>
+              </a:ext>
+            </a:extLst>
+          </p:cNvPr>
+          <p:cNvCxnSpPr>
+            <a:cxnSpLocks/>
+          </p:cNvCxnSpPr>
+          <p:nvPr/>
+        </p:nvCxnSpPr>
+        <p:spPr>
+          <a:xfrm rot="16200000" flipH="1">
+            <a:off x="1825730" y="4223854"/>
+            <a:ext cx="538316" cy="1407"/>
+          </a:xfrm>
+          <a:prstGeom prst="bentConnector3">
+            <a:avLst>
+              <a:gd name="adj1" fmla="val 50000"/>
+            </a:avLst>
+          </a:prstGeom>
+          <a:ln w="19050">
+            <a:solidFill>
+              <a:srgbClr val="0070C0"/>
+            </a:solidFill>
+            <a:prstDash val="sysDot"/>
+            <a:headEnd type="none" w="med" len="med"/>
+            <a:tailEnd type="arrow" w="med" len="med"/>
+          </a:ln>
+          <a:effectLst/>
+        </p:spPr>
+        <p:style>
+          <a:lnRef idx="1">
+            <a:schemeClr val="accent2"/>
+          </a:lnRef>
+          <a:fillRef idx="2">
+            <a:schemeClr val="accent2"/>
+          </a:fillRef>
+          <a:effectRef idx="1">
+            <a:schemeClr val="accent2"/>
+          </a:effectRef>
+          <a:fontRef idx="minor">
+            <a:schemeClr val="dk1"/>
+          </a:fontRef>
+        </p:style>
+      </p:cxnSp>
+      <p:cxnSp>
+        <p:nvCxnSpPr>
+          <p:cNvPr id="105" name="Elbow Connector 63">
+            <a:extLst>
+              <a:ext uri="{FF2B5EF4-FFF2-40B4-BE49-F238E27FC236}">
+                <a16:creationId xmlns:a16="http://schemas.microsoft.com/office/drawing/2014/main" id="{B9B8CF69-C762-41B1-96B8-3DD94639A24D}"/>
+              </a:ext>
+            </a:extLst>
+          </p:cNvPr>
+          <p:cNvCxnSpPr>
+            <a:cxnSpLocks/>
+            <a:endCxn id="82" idx="1"/>
+          </p:cNvCxnSpPr>
+          <p:nvPr/>
+        </p:nvCxnSpPr>
+        <p:spPr>
+          <a:xfrm>
+            <a:off x="2601617" y="3917408"/>
+            <a:ext cx="653802" cy="275247"/>
+          </a:xfrm>
+          <a:prstGeom prst="bentConnector3">
+            <a:avLst>
+              <a:gd name="adj1" fmla="val -2447"/>
+            </a:avLst>
+          </a:prstGeom>
+          <a:ln w="19050">
+            <a:solidFill>
+              <a:srgbClr val="0070C0"/>
+            </a:solidFill>
+            <a:prstDash val="sysDot"/>
+            <a:headEnd type="none" w="med" len="med"/>
+            <a:tailEnd type="arrow" w="med" len="med"/>
+          </a:ln>
+          <a:effectLst/>
+        </p:spPr>
+        <p:style>
+          <a:lnRef idx="1">
+            <a:schemeClr val="accent2"/>
+          </a:lnRef>
+          <a:fillRef idx="2">
+            <a:schemeClr val="accent2"/>
+          </a:fillRef>
+          <a:effectRef idx="1">
+            <a:schemeClr val="accent2"/>
+          </a:effectRef>
+          <a:fontRef idx="minor">
+            <a:schemeClr val="dk1"/>
+          </a:fontRef>
+        </p:style>
+      </p:cxnSp>
+      <p:cxnSp>
+        <p:nvCxnSpPr>
+          <p:cNvPr id="107" name="Elbow Connector 63">
+            <a:extLst>
+              <a:ext uri="{FF2B5EF4-FFF2-40B4-BE49-F238E27FC236}">
+                <a16:creationId xmlns:a16="http://schemas.microsoft.com/office/drawing/2014/main" id="{FF10DE46-9914-4867-A877-4FC6BC01624E}"/>
+              </a:ext>
+            </a:extLst>
+          </p:cNvPr>
+          <p:cNvCxnSpPr>
+            <a:cxnSpLocks/>
+            <a:endCxn id="82" idx="3"/>
+          </p:cNvCxnSpPr>
+          <p:nvPr/>
+        </p:nvCxnSpPr>
+        <p:spPr>
+          <a:xfrm rot="10800000" flipV="1">
+            <a:off x="4302359" y="3084571"/>
+            <a:ext cx="2692354" cy="1108083"/>
+          </a:xfrm>
+          <a:prstGeom prst="bentConnector3">
+            <a:avLst>
+              <a:gd name="adj1" fmla="val -378"/>
+            </a:avLst>
+          </a:prstGeom>
+          <a:ln w="19050">
+            <a:solidFill>
+              <a:srgbClr val="0070C0"/>
+            </a:solidFill>
+            <a:prstDash val="sysDot"/>
+            <a:headEnd type="none" w="med" len="med"/>
+            <a:tailEnd type="arrow" w="med" len="med"/>
+          </a:ln>
+          <a:effectLst/>
+        </p:spPr>
+        <p:style>
+          <a:lnRef idx="1">
+            <a:schemeClr val="accent2"/>
+          </a:lnRef>
+          <a:fillRef idx="2">
+            <a:schemeClr val="accent2"/>
+          </a:fillRef>
+          <a:effectRef idx="1">
+            <a:schemeClr val="accent2"/>
+          </a:effectRef>
+          <a:fontRef idx="minor">
+            <a:schemeClr val="dk1"/>
+          </a:fontRef>
+        </p:style>
+      </p:cxnSp>
+      <p:grpSp>
+        <p:nvGrpSpPr>
+          <p:cNvPr id="113" name="Group 112">
+            <a:extLst>
+              <a:ext uri="{FF2B5EF4-FFF2-40B4-BE49-F238E27FC236}">
+                <a16:creationId xmlns:a16="http://schemas.microsoft.com/office/drawing/2014/main" id="{C63167CD-1771-45B8-A92B-9F546517A0FF}"/>
+              </a:ext>
+            </a:extLst>
+          </p:cNvPr>
+          <p:cNvGrpSpPr/>
+          <p:nvPr/>
+        </p:nvGrpSpPr>
+        <p:grpSpPr>
+          <a:xfrm>
+            <a:off x="5566977" y="4008469"/>
+            <a:ext cx="868568" cy="230832"/>
+            <a:chOff x="2755838" y="789460"/>
+            <a:chExt cx="868568" cy="230832"/>
+          </a:xfrm>
+        </p:grpSpPr>
+        <p:sp>
+          <p:nvSpPr>
+            <p:cNvPr id="114" name="TextBox 113">
+              <a:extLst>
+                <a:ext uri="{FF2B5EF4-FFF2-40B4-BE49-F238E27FC236}">
+                  <a16:creationId xmlns:a16="http://schemas.microsoft.com/office/drawing/2014/main" id="{157A9E88-4F46-4854-BD8F-AEE7A39606CB}"/>
+                </a:ext>
+              </a:extLst>
+            </p:cNvPr>
+            <p:cNvSpPr txBox="1"/>
+            <p:nvPr/>
+          </p:nvSpPr>
+          <p:spPr>
+            <a:xfrm>
+              <a:off x="2895600" y="789460"/>
+              <a:ext cx="728806" cy="230832"/>
+            </a:xfrm>
+            <a:prstGeom prst="rect">
+              <a:avLst/>
+            </a:prstGeom>
+            <a:noFill/>
+          </p:spPr>
+          <p:txBody>
+            <a:bodyPr wrap="square" lIns="0" tIns="0" rIns="0" bIns="0" rtlCol="0">
+              <a:noAutofit/>
+            </a:bodyPr>
+            <a:lstStyle/>
+            <a:p>
+              <a:r>
+                <a:rPr lang="en-US" sz="1100" dirty="0">
+                  <a:solidFill>
+                    <a:srgbClr val="0070C0"/>
+                  </a:solidFill>
+                </a:rPr>
+                <a:t>uses</a:t>
+              </a:r>
+              <a:endParaRPr lang="en-SG" sz="1100" dirty="0">
+                <a:solidFill>
+                  <a:srgbClr val="0070C0"/>
+                </a:solidFill>
+              </a:endParaRPr>
+            </a:p>
+          </p:txBody>
+        </p:sp>
+        <p:sp>
+          <p:nvSpPr>
+            <p:cNvPr id="115" name="Isosceles Triangle 114">
+              <a:extLst>
+                <a:ext uri="{FF2B5EF4-FFF2-40B4-BE49-F238E27FC236}">
+                  <a16:creationId xmlns:a16="http://schemas.microsoft.com/office/drawing/2014/main" id="{3722DB4E-7290-4B1A-B510-F1E34A22B8D2}"/>
+                </a:ext>
+              </a:extLst>
+            </p:cNvPr>
+            <p:cNvSpPr/>
+            <p:nvPr/>
+          </p:nvSpPr>
+          <p:spPr>
+            <a:xfrm rot="16200000" flipH="1">
+              <a:off x="2730963" y="857181"/>
+              <a:ext cx="125951" cy="76201"/>
+            </a:xfrm>
+            <a:prstGeom prst="triangle">
+              <a:avLst/>
+            </a:prstGeom>
+            <a:solidFill>
+              <a:srgbClr val="0070C0"/>
+            </a:solidFill>
+            <a:ln>
+              <a:noFill/>
+            </a:ln>
+          </p:spPr>
+          <p:style>
+            <a:lnRef idx="2">
+              <a:schemeClr val="accent1">
+                <a:shade val="50000"/>
+              </a:schemeClr>
+            </a:lnRef>
+            <a:fillRef idx="1">
+              <a:schemeClr val="accent1"/>
+            </a:fillRef>
+            <a:effectRef idx="0">
+              <a:schemeClr val="accent1"/>
+            </a:effectRef>
+            <a:fontRef idx="minor">
+              <a:schemeClr val="lt1"/>
+            </a:fontRef>
+          </p:style>
+          <p:txBody>
+            <a:bodyPr rtlCol="0" anchor="ctr"/>
+            <a:lstStyle/>
+            <a:p>
+              <a:pPr algn="ctr"/>
+              <a:endParaRPr lang="en-SG"/>
+            </a:p>
+          </p:txBody>
+        </p:sp>
+      </p:grpSp>
+      <p:grpSp>
+        <p:nvGrpSpPr>
+          <p:cNvPr id="116" name="Group 115">
+            <a:extLst>
+              <a:ext uri="{FF2B5EF4-FFF2-40B4-BE49-F238E27FC236}">
+                <a16:creationId xmlns:a16="http://schemas.microsoft.com/office/drawing/2014/main" id="{0E89144A-FE43-424B-B8B5-6430FA32F928}"/>
+              </a:ext>
+            </a:extLst>
+          </p:cNvPr>
+          <p:cNvGrpSpPr/>
+          <p:nvPr/>
+        </p:nvGrpSpPr>
+        <p:grpSpPr>
+          <a:xfrm>
+            <a:off x="2204814" y="4005436"/>
+            <a:ext cx="889000" cy="230832"/>
+            <a:chOff x="2895600" y="807932"/>
+            <a:chExt cx="889000" cy="230832"/>
+          </a:xfrm>
+        </p:grpSpPr>
+        <p:sp>
+          <p:nvSpPr>
+            <p:cNvPr id="117" name="TextBox 116">
+              <a:extLst>
+                <a:ext uri="{FF2B5EF4-FFF2-40B4-BE49-F238E27FC236}">
+                  <a16:creationId xmlns:a16="http://schemas.microsoft.com/office/drawing/2014/main" id="{5BCC75E1-80F3-4E09-95F2-DC71F7342D07}"/>
+                </a:ext>
+              </a:extLst>
+            </p:cNvPr>
+            <p:cNvSpPr txBox="1"/>
+            <p:nvPr/>
+          </p:nvSpPr>
+          <p:spPr>
+            <a:xfrm>
+              <a:off x="2895600" y="807932"/>
+              <a:ext cx="728806" cy="230832"/>
+            </a:xfrm>
+            <a:prstGeom prst="rect">
+              <a:avLst/>
+            </a:prstGeom>
+            <a:noFill/>
+          </p:spPr>
+          <p:txBody>
+            <a:bodyPr wrap="square" lIns="0" tIns="0" rIns="0" bIns="0" rtlCol="0">
+              <a:noAutofit/>
+            </a:bodyPr>
+            <a:lstStyle/>
+            <a:p>
+              <a:pPr algn="r"/>
+              <a:r>
+                <a:rPr lang="en-US" sz="1100" dirty="0">
+                  <a:solidFill>
+                    <a:srgbClr val="0070C0"/>
+                  </a:solidFill>
+                </a:rPr>
+                <a:t>uses</a:t>
+              </a:r>
+              <a:endParaRPr lang="en-SG" sz="1100" dirty="0">
+                <a:solidFill>
+                  <a:srgbClr val="0070C0"/>
+                </a:solidFill>
+              </a:endParaRPr>
+            </a:p>
+          </p:txBody>
+        </p:sp>
+        <p:sp>
+          <p:nvSpPr>
+            <p:cNvPr id="119" name="Isosceles Triangle 118">
+              <a:extLst>
+                <a:ext uri="{FF2B5EF4-FFF2-40B4-BE49-F238E27FC236}">
+                  <a16:creationId xmlns:a16="http://schemas.microsoft.com/office/drawing/2014/main" id="{DFB867D6-1BDD-4C9C-942E-35E5136B905F}"/>
+                </a:ext>
+              </a:extLst>
+            </p:cNvPr>
+            <p:cNvSpPr/>
+            <p:nvPr/>
+          </p:nvSpPr>
+          <p:spPr>
+            <a:xfrm rot="5400000">
+              <a:off x="3683524" y="866776"/>
+              <a:ext cx="125951" cy="76201"/>
+            </a:xfrm>
+            <a:prstGeom prst="triangle">
+              <a:avLst/>
+            </a:prstGeom>
+            <a:solidFill>
+              <a:srgbClr val="0070C0"/>
+            </a:solidFill>
+            <a:ln>
+              <a:noFill/>
+            </a:ln>
+          </p:spPr>
+          <p:style>
+            <a:lnRef idx="2">
+              <a:schemeClr val="accent1">
+                <a:shade val="50000"/>
+              </a:schemeClr>
+            </a:lnRef>
+            <a:fillRef idx="1">
+              <a:schemeClr val="accent1"/>
+            </a:fillRef>
+            <a:effectRef idx="0">
+              <a:schemeClr val="accent1"/>
+            </a:effectRef>
+            <a:fontRef idx="minor">
+              <a:schemeClr val="lt1"/>
+            </a:fontRef>
+          </p:style>
+          <p:txBody>
+            <a:bodyPr rtlCol="0" anchor="ctr"/>
+            <a:lstStyle/>
+            <a:p>
+              <a:pPr algn="ctr"/>
+              <a:endParaRPr lang="en-SG"/>
+            </a:p>
+          </p:txBody>
+        </p:sp>
+      </p:grpSp>
     </p:spTree>
     <p:extLst>
       <p:ext uri="{BB962C8B-B14F-4D97-AF65-F5344CB8AC3E}">
